--- a/Network-Security/Module_1 Internetworking/Lesson_4 Network Attacks and Threats .pptx
+++ b/Network-Security/Module_1 Internetworking/Lesson_4 Network Attacks and Threats .pptx
@@ -5,7 +5,7 @@
     <p:sldMasterId id="2147483686" r:id="rId1"/>
   </p:sldMasterIdLst>
   <p:notesMasterIdLst>
-    <p:notesMasterId r:id="rId10"/>
+    <p:notesMasterId r:id="rId13"/>
   </p:notesMasterIdLst>
   <p:sldIdLst>
     <p:sldId id="256" r:id="rId2"/>
@@ -14,13 +14,16 @@
     <p:sldId id="335" r:id="rId5"/>
     <p:sldId id="336" r:id="rId6"/>
     <p:sldId id="337" r:id="rId7"/>
-    <p:sldId id="338" r:id="rId8"/>
-    <p:sldId id="333" r:id="rId9"/>
+    <p:sldId id="340" r:id="rId8"/>
+    <p:sldId id="341" r:id="rId9"/>
+    <p:sldId id="338" r:id="rId10"/>
+    <p:sldId id="342" r:id="rId11"/>
+    <p:sldId id="333" r:id="rId12"/>
   </p:sldIdLst>
   <p:sldSz cx="9144000" cy="6858000" type="screen4x3"/>
   <p:notesSz cx="7315200" cy="9601200"/>
   <p:custDataLst>
-    <p:tags r:id="rId11"/>
+    <p:tags r:id="rId14"/>
   </p:custDataLst>
   <p:defaultTextStyle>
     <a:defPPr>
@@ -275,7 +278,7 @@
               <a:pPr>
                 <a:defRPr/>
               </a:pPr>
-              <a:t>8/31/2017</a:t>
+              <a:t>4/3/2018</a:t>
             </a:fld>
             <a:endParaRPr lang="en-US"/>
           </a:p>
@@ -798,7 +801,7 @@
               <a:pPr>
                 <a:defRPr/>
               </a:pPr>
-              <a:t>8</a:t>
+              <a:t>11</a:t>
             </a:fld>
             <a:endParaRPr lang="en-US"/>
           </a:p>
@@ -3902,6 +3905,225 @@
 </p:sld>
 </file>
 
+<file path=ppt/slides/slide10.xml><?xml version="1.0" encoding="utf-8"?>
+<p:sld xmlns:a="http://schemas.openxmlformats.org/drawingml/2006/main" xmlns:r="http://schemas.openxmlformats.org/officeDocument/2006/relationships" xmlns:p="http://schemas.openxmlformats.org/presentationml/2006/main">
+  <p:cSld>
+    <p:spTree>
+      <p:nvGrpSpPr>
+        <p:cNvPr id="1" name=""/>
+        <p:cNvGrpSpPr/>
+        <p:nvPr/>
+      </p:nvGrpSpPr>
+      <p:grpSpPr>
+        <a:xfrm>
+          <a:off x="0" y="0"/>
+          <a:ext cx="0" cy="0"/>
+          <a:chOff x="0" y="0"/>
+          <a:chExt cx="0" cy="0"/>
+        </a:xfrm>
+      </p:grpSpPr>
+      <p:sp>
+        <p:nvSpPr>
+          <p:cNvPr id="2" name="Title 1">
+            <a:extLst>
+              <a:ext uri="{FF2B5EF4-FFF2-40B4-BE49-F238E27FC236}">
+                <a16:creationId xmlns:a16="http://schemas.microsoft.com/office/drawing/2014/main" id="{C5A44818-C045-4C83-8F44-AD5AE579B3ED}"/>
+              </a:ext>
+            </a:extLst>
+          </p:cNvPr>
+          <p:cNvSpPr>
+            <a:spLocks noGrp="1"/>
+          </p:cNvSpPr>
+          <p:nvPr>
+            <p:ph type="title"/>
+          </p:nvPr>
+        </p:nvSpPr>
+        <p:spPr/>
+        <p:txBody>
+          <a:bodyPr/>
+          <a:lstStyle/>
+          <a:p>
+            <a:r>
+              <a:rPr lang="en-US" dirty="0"/>
+              <a:t>Network Security</a:t>
+            </a:r>
+          </a:p>
+        </p:txBody>
+      </p:sp>
+      <p:sp>
+        <p:nvSpPr>
+          <p:cNvPr id="3" name="Content Placeholder 2">
+            <a:extLst>
+              <a:ext uri="{FF2B5EF4-FFF2-40B4-BE49-F238E27FC236}">
+                <a16:creationId xmlns:a16="http://schemas.microsoft.com/office/drawing/2014/main" id="{AD043352-61A4-4783-984B-629AC9E23F6B}"/>
+              </a:ext>
+            </a:extLst>
+          </p:cNvPr>
+          <p:cNvSpPr>
+            <a:spLocks noGrp="1"/>
+          </p:cNvSpPr>
+          <p:nvPr>
+            <p:ph idx="1"/>
+          </p:nvPr>
+        </p:nvSpPr>
+        <p:spPr/>
+        <p:txBody>
+          <a:bodyPr/>
+          <a:lstStyle/>
+          <a:p>
+            <a:r>
+              <a:rPr lang="en-US" dirty="0"/>
+              <a:t>Group discussion:</a:t>
+            </a:r>
+          </a:p>
+          <a:p>
+            <a:pPr lvl="1"/>
+            <a:r>
+              <a:rPr lang="en-US" dirty="0"/>
+              <a:t>How can we solve/mitigate some of these threats?</a:t>
+            </a:r>
+          </a:p>
+        </p:txBody>
+      </p:sp>
+      <p:sp>
+        <p:nvSpPr>
+          <p:cNvPr id="4" name="Slide Number Placeholder 3">
+            <a:extLst>
+              <a:ext uri="{FF2B5EF4-FFF2-40B4-BE49-F238E27FC236}">
+                <a16:creationId xmlns:a16="http://schemas.microsoft.com/office/drawing/2014/main" id="{4AD17A3C-97A8-4BE7-ABC6-DB9F44DFF9A4}"/>
+              </a:ext>
+            </a:extLst>
+          </p:cNvPr>
+          <p:cNvSpPr>
+            <a:spLocks noGrp="1"/>
+          </p:cNvSpPr>
+          <p:nvPr>
+            <p:ph type="sldNum" sz="quarter" idx="10"/>
+          </p:nvPr>
+        </p:nvSpPr>
+        <p:spPr/>
+        <p:txBody>
+          <a:bodyPr/>
+          <a:lstStyle/>
+          <a:p>
+            <a:pPr>
+              <a:defRPr/>
+            </a:pPr>
+            <a:fld id="{A722859C-89A0-4C1D-B3B9-DD0F9998A67A}" type="slidenum">
+              <a:rPr lang="en-US" smtClean="0"/>
+              <a:pPr>
+                <a:defRPr/>
+              </a:pPr>
+              <a:t>10</a:t>
+            </a:fld>
+            <a:endParaRPr lang="en-US" dirty="0"/>
+          </a:p>
+        </p:txBody>
+      </p:sp>
+    </p:spTree>
+    <p:custDataLst>
+      <p:tags r:id="rId1"/>
+    </p:custDataLst>
+    <p:extLst>
+      <p:ext uri="{BB962C8B-B14F-4D97-AF65-F5344CB8AC3E}">
+        <p14:creationId xmlns:p14="http://schemas.microsoft.com/office/powerpoint/2010/main" val="3269252272"/>
+      </p:ext>
+    </p:extLst>
+  </p:cSld>
+  <p:clrMapOvr>
+    <a:masterClrMapping/>
+  </p:clrMapOvr>
+</p:sld>
+</file>
+
+<file path=ppt/slides/slide11.xml><?xml version="1.0" encoding="utf-8"?>
+<p:sld xmlns:a="http://schemas.openxmlformats.org/drawingml/2006/main" xmlns:r="http://schemas.openxmlformats.org/officeDocument/2006/relationships" xmlns:p="http://schemas.openxmlformats.org/presentationml/2006/main">
+  <p:cSld>
+    <p:spTree>
+      <p:nvGrpSpPr>
+        <p:cNvPr id="1" name=""/>
+        <p:cNvGrpSpPr/>
+        <p:nvPr/>
+      </p:nvGrpSpPr>
+      <p:grpSpPr>
+        <a:xfrm>
+          <a:off x="0" y="0"/>
+          <a:ext cx="0" cy="0"/>
+          <a:chOff x="0" y="0"/>
+          <a:chExt cx="0" cy="0"/>
+        </a:xfrm>
+      </p:grpSpPr>
+      <p:sp>
+        <p:nvSpPr>
+          <p:cNvPr id="11" name="Title 10">
+            <a:extLst>
+              <a:ext uri="{FF2B5EF4-FFF2-40B4-BE49-F238E27FC236}">
+                <a16:creationId xmlns:a16="http://schemas.microsoft.com/office/drawing/2014/main" id="{1F52A716-5142-4987-84C0-078D1007C406}"/>
+              </a:ext>
+            </a:extLst>
+          </p:cNvPr>
+          <p:cNvSpPr>
+            <a:spLocks noGrp="1"/>
+          </p:cNvSpPr>
+          <p:nvPr>
+            <p:ph type="title"/>
+          </p:nvPr>
+        </p:nvSpPr>
+        <p:spPr/>
+        <p:txBody>
+          <a:bodyPr/>
+          <a:lstStyle/>
+          <a:p>
+            <a:endParaRPr lang="en-US"/>
+          </a:p>
+        </p:txBody>
+      </p:sp>
+      <p:sp>
+        <p:nvSpPr>
+          <p:cNvPr id="7" name="Slide Number Placeholder 6">
+            <a:extLst>
+              <a:ext uri="{FF2B5EF4-FFF2-40B4-BE49-F238E27FC236}">
+                <a16:creationId xmlns:a16="http://schemas.microsoft.com/office/drawing/2014/main" id="{27B55DC7-B95B-4807-B808-1E7A81E0F45A}"/>
+              </a:ext>
+            </a:extLst>
+          </p:cNvPr>
+          <p:cNvSpPr>
+            <a:spLocks noGrp="1"/>
+          </p:cNvSpPr>
+          <p:nvPr>
+            <p:ph type="sldNum" sz="quarter" idx="10"/>
+          </p:nvPr>
+        </p:nvSpPr>
+        <p:spPr/>
+        <p:txBody>
+          <a:bodyPr/>
+          <a:lstStyle/>
+          <a:p>
+            <a:fld id="{FB267019-40B7-405C-98B7-75F3216AFF79}" type="slidenum">
+              <a:rPr lang="en-US" smtClean="0"/>
+              <a:pPr/>
+              <a:t>11</a:t>
+            </a:fld>
+            <a:endParaRPr lang="en-US" dirty="0"/>
+          </a:p>
+        </p:txBody>
+      </p:sp>
+    </p:spTree>
+    <p:custDataLst>
+      <p:tags r:id="rId1"/>
+    </p:custDataLst>
+    <p:extLst>
+      <p:ext uri="{BB962C8B-B14F-4D97-AF65-F5344CB8AC3E}">
+        <p14:creationId xmlns:p14="http://schemas.microsoft.com/office/powerpoint/2010/main" val="1892705052"/>
+      </p:ext>
+    </p:extLst>
+  </p:cSld>
+  <p:clrMapOvr>
+    <a:masterClrMapping/>
+  </p:clrMapOvr>
+</p:sld>
+</file>
+
 <file path=ppt/slides/slide2.xml><?xml version="1.0" encoding="utf-8"?>
 <p:sld xmlns:a="http://schemas.openxmlformats.org/drawingml/2006/main" xmlns:r="http://schemas.openxmlformats.org/officeDocument/2006/relationships" xmlns:p="http://schemas.openxmlformats.org/presentationml/2006/main">
   <p:cSld>
@@ -4539,7 +4761,13 @@
       </p:grpSpPr>
       <p:sp>
         <p:nvSpPr>
-          <p:cNvPr id="2" name="Title 1"/>
+          <p:cNvPr id="2" name="Title 1">
+            <a:extLst>
+              <a:ext uri="{FF2B5EF4-FFF2-40B4-BE49-F238E27FC236}">
+                <a16:creationId xmlns:a16="http://schemas.microsoft.com/office/drawing/2014/main" id="{15086942-49DC-40D4-B213-312AA852FDA5}"/>
+              </a:ext>
+            </a:extLst>
+          </p:cNvPr>
           <p:cNvSpPr>
             <a:spLocks noGrp="1"/>
           </p:cNvSpPr>
@@ -4553,16 +4781,21 @@
           <a:lstStyle/>
           <a:p>
             <a:r>
-              <a:rPr lang="en-US" dirty="0" err="1"/>
-              <a:t>Mitnick</a:t>
-            </a:r>
-            <a:endParaRPr lang="en-US" dirty="0"/>
-          </a:p>
-        </p:txBody>
-      </p:sp>
-      <p:sp>
-        <p:nvSpPr>
-          <p:cNvPr id="3" name="Content Placeholder 2"/>
+              <a:rPr lang="en-US" dirty="0"/>
+              <a:t>Network Threats</a:t>
+            </a:r>
+          </a:p>
+        </p:txBody>
+      </p:sp>
+      <p:sp>
+        <p:nvSpPr>
+          <p:cNvPr id="3" name="Content Placeholder 2">
+            <a:extLst>
+              <a:ext uri="{FF2B5EF4-FFF2-40B4-BE49-F238E27FC236}">
+                <a16:creationId xmlns:a16="http://schemas.microsoft.com/office/drawing/2014/main" id="{43A6DA86-A76C-4725-9ACF-DFCD26D54C10}"/>
+              </a:ext>
+            </a:extLst>
+          </p:cNvPr>
           <p:cNvSpPr>
             <a:spLocks noGrp="1"/>
           </p:cNvSpPr>
@@ -4576,15 +4809,140 @@
           <a:lstStyle/>
           <a:p>
             <a:r>
-              <a:rPr lang="en-US">
-                <a:hlinkClick r:id="rId3"/>
-              </a:rPr>
-              <a:t>https://www.giac.org/paper/gsec/1929/kevin-mitnick-hacking/100826</a:t>
-            </a:r>
-            <a:r>
-              <a:rPr lang="en-US"/>
-              <a:t> </a:t>
-            </a:r>
+              <a:rPr lang="en-US" dirty="0"/>
+              <a:t>Threats Against Infrastructure</a:t>
+            </a:r>
+          </a:p>
+          <a:p>
+            <a:pPr lvl="1"/>
+            <a:r>
+              <a:rPr lang="en-US" b="1" dirty="0"/>
+              <a:t>Man-in-the-Middle</a:t>
+            </a:r>
+            <a:r>
+              <a:rPr lang="en-US" dirty="0"/>
+              <a:t> – an attacker inserts their computer into the network between the sender and receiver:</a:t>
+            </a:r>
+          </a:p>
+          <a:p>
+            <a:pPr lvl="2"/>
+            <a:r>
+              <a:rPr lang="en-US" i="1" dirty="0"/>
+              <a:t>Eavesdropping</a:t>
+            </a:r>
+            <a:r>
+              <a:rPr lang="en-US" dirty="0"/>
+              <a:t> – can unauthorized user “listen-in” on conversations? Can they obtain copies of messages sent between computers? – </a:t>
+            </a:r>
+            <a:r>
+              <a:rPr lang="en-US" i="1" dirty="0"/>
+              <a:t>Passive Attack</a:t>
+            </a:r>
+            <a:endParaRPr lang="en-US" dirty="0"/>
+          </a:p>
+          <a:p>
+            <a:pPr lvl="2"/>
+            <a:r>
+              <a:rPr lang="en-US" i="1" dirty="0"/>
+              <a:t>Tampering</a:t>
+            </a:r>
+            <a:r>
+              <a:rPr lang="en-US" dirty="0"/>
+              <a:t> – can unauthorized users insert new messages or modify/delete messages from the network infrastructure? – </a:t>
+            </a:r>
+            <a:r>
+              <a:rPr lang="en-US" i="1" dirty="0"/>
+              <a:t>Active Attack</a:t>
+            </a:r>
+            <a:endParaRPr lang="en-US" dirty="0"/>
+          </a:p>
+          <a:p>
+            <a:pPr lvl="1"/>
+            <a:r>
+              <a:rPr lang="en-US" b="1" dirty="0"/>
+              <a:t>Re-routing</a:t>
+            </a:r>
+            <a:r>
+              <a:rPr lang="en-US" dirty="0"/>
+              <a:t> – can an attacker cause the internet to route packets to different locations? Effective in wired or wireless networks.</a:t>
+            </a:r>
+          </a:p>
+          <a:p>
+            <a:pPr lvl="2"/>
+            <a:r>
+              <a:rPr lang="en-US" i="1" dirty="0"/>
+              <a:t>Black Hole </a:t>
+            </a:r>
+            <a:r>
+              <a:rPr lang="en-US" dirty="0"/>
+              <a:t>– compromised node tries to reroute all traffic from surrounding neighbors to itself and deletes them</a:t>
+            </a:r>
+          </a:p>
+          <a:p>
+            <a:pPr lvl="2"/>
+            <a:r>
+              <a:rPr lang="en-US" i="1" dirty="0"/>
+              <a:t>Sink Hole</a:t>
+            </a:r>
+            <a:r>
+              <a:rPr lang="en-US" dirty="0"/>
+              <a:t> – like black hole, and selectively deletes them</a:t>
+            </a:r>
+          </a:p>
+          <a:p>
+            <a:pPr lvl="2"/>
+            <a:r>
+              <a:rPr lang="en-US" i="1" dirty="0"/>
+              <a:t>Spoofing</a:t>
+            </a:r>
+            <a:r>
+              <a:rPr lang="en-US" dirty="0"/>
+              <a:t> – can attacker simulate a </a:t>
+            </a:r>
+            <a:r>
+              <a:rPr lang="en-US" dirty="0" err="1"/>
+              <a:t>legitiamte</a:t>
+            </a:r>
+            <a:r>
+              <a:rPr lang="en-US" dirty="0"/>
+              <a:t> destination/source address</a:t>
+            </a:r>
+            <a:endParaRPr lang="en-US" i="1" dirty="0"/>
+          </a:p>
+        </p:txBody>
+      </p:sp>
+      <p:sp>
+        <p:nvSpPr>
+          <p:cNvPr id="4" name="Slide Number Placeholder 3">
+            <a:extLst>
+              <a:ext uri="{FF2B5EF4-FFF2-40B4-BE49-F238E27FC236}">
+                <a16:creationId xmlns:a16="http://schemas.microsoft.com/office/drawing/2014/main" id="{2EA1FD7B-7CDF-45B6-959F-D6168F385061}"/>
+              </a:ext>
+            </a:extLst>
+          </p:cNvPr>
+          <p:cNvSpPr>
+            <a:spLocks noGrp="1"/>
+          </p:cNvSpPr>
+          <p:nvPr>
+            <p:ph type="sldNum" sz="quarter" idx="10"/>
+          </p:nvPr>
+        </p:nvSpPr>
+        <p:spPr/>
+        <p:txBody>
+          <a:bodyPr/>
+          <a:lstStyle/>
+          <a:p>
+            <a:pPr>
+              <a:defRPr/>
+            </a:pPr>
+            <a:fld id="{A722859C-89A0-4C1D-B3B9-DD0F9998A67A}" type="slidenum">
+              <a:rPr lang="en-US" smtClean="0"/>
+              <a:pPr>
+                <a:defRPr/>
+              </a:pPr>
+              <a:t>7</a:t>
+            </a:fld>
+            <a:endParaRPr lang="en-US" dirty="0"/>
           </a:p>
         </p:txBody>
       </p:sp>
@@ -4594,7 +4952,7 @@
     </p:custDataLst>
     <p:extLst>
       <p:ext uri="{BB962C8B-B14F-4D97-AF65-F5344CB8AC3E}">
-        <p14:creationId xmlns:p14="http://schemas.microsoft.com/office/powerpoint/2010/main" val="3429436428"/>
+        <p14:creationId xmlns:p14="http://schemas.microsoft.com/office/powerpoint/2010/main" val="3974831626"/>
       </p:ext>
     </p:extLst>
   </p:cSld>
@@ -4623,10 +4981,10 @@
       </p:grpSpPr>
       <p:sp>
         <p:nvSpPr>
-          <p:cNvPr id="11" name="Title 10">
+          <p:cNvPr id="2" name="Title 1">
             <a:extLst>
               <a:ext uri="{FF2B5EF4-FFF2-40B4-BE49-F238E27FC236}">
-                <a16:creationId xmlns:a16="http://schemas.microsoft.com/office/drawing/2014/main" id="{1F52A716-5142-4987-84C0-078D1007C406}"/>
+                <a16:creationId xmlns:a16="http://schemas.microsoft.com/office/drawing/2014/main" id="{910BFB26-AC60-4233-9663-74D9EE914A27}"/>
               </a:ext>
             </a:extLst>
           </p:cNvPr>
@@ -4642,16 +5000,19 @@
           <a:bodyPr/>
           <a:lstStyle/>
           <a:p>
-            <a:endParaRPr lang="en-US"/>
-          </a:p>
-        </p:txBody>
-      </p:sp>
-      <p:sp>
-        <p:nvSpPr>
-          <p:cNvPr id="7" name="Slide Number Placeholder 6">
+            <a:r>
+              <a:rPr lang="en-US" dirty="0"/>
+              <a:t>Network Threats (part 2)</a:t>
+            </a:r>
+          </a:p>
+        </p:txBody>
+      </p:sp>
+      <p:sp>
+        <p:nvSpPr>
+          <p:cNvPr id="3" name="Content Placeholder 2">
             <a:extLst>
               <a:ext uri="{FF2B5EF4-FFF2-40B4-BE49-F238E27FC236}">
-                <a16:creationId xmlns:a16="http://schemas.microsoft.com/office/drawing/2014/main" id="{27B55DC7-B95B-4807-B808-1E7A81E0F45A}"/>
+                <a16:creationId xmlns:a16="http://schemas.microsoft.com/office/drawing/2014/main" id="{B85DB53C-3BC7-446F-82B4-D48934471C11}"/>
               </a:ext>
             </a:extLst>
           </p:cNvPr>
@@ -4659,7 +5020,7 @@
             <a:spLocks noGrp="1"/>
           </p:cNvSpPr>
           <p:nvPr>
-            <p:ph type="sldNum" sz="quarter" idx="10"/>
+            <p:ph idx="1"/>
           </p:nvPr>
         </p:nvSpPr>
         <p:spPr/>
@@ -4667,9 +5028,90 @@
           <a:bodyPr/>
           <a:lstStyle/>
           <a:p>
-            <a:fld id="{FB267019-40B7-405C-98B7-75F3216AFF79}" type="slidenum">
+            <a:pPr lvl="1"/>
+            <a:r>
+              <a:rPr lang="en-US" dirty="0"/>
+              <a:t>Denial of Service: Beyond the routing attacks</a:t>
+            </a:r>
+          </a:p>
+          <a:p>
+            <a:pPr lvl="2"/>
+            <a:r>
+              <a:rPr lang="en-US" i="1" dirty="0"/>
+              <a:t>Protocol attacks </a:t>
+            </a:r>
+            <a:r>
+              <a:rPr lang="en-US" dirty="0"/>
+              <a:t>– can an attacker send specific types of data, or large amounts of packets to cause the receiver to use up resources and thus be unable to respond to legitimate traffic?</a:t>
+            </a:r>
+          </a:p>
+          <a:p>
+            <a:pPr lvl="2"/>
+            <a:r>
+              <a:rPr lang="en-US" i="1" dirty="0"/>
+              <a:t>Botnets – </a:t>
+            </a:r>
+            <a:r>
+              <a:rPr lang="en-US" dirty="0"/>
+              <a:t>can an attacker cause a machine to become an unwitting accomplice in an attack, effectively setting up a bot on the victim machine and controlling a network of these?  Large numbers of bots can cerate a distributed denial of service attack?</a:t>
+            </a:r>
+          </a:p>
+          <a:p>
+            <a:pPr lvl="2"/>
+            <a:r>
+              <a:rPr lang="en-US" i="1" dirty="0"/>
+              <a:t>Race Conditions – </a:t>
+            </a:r>
+            <a:r>
+              <a:rPr lang="en-US" dirty="0"/>
+              <a:t>can attacker slow down a server to enable a spoofing or </a:t>
+            </a:r>
+            <a:r>
+              <a:rPr lang="en-US"/>
+              <a:t>masquerading attack?</a:t>
+            </a:r>
+            <a:br>
+              <a:rPr lang="en-US" dirty="0"/>
+            </a:br>
+            <a:endParaRPr lang="en-US" i="1" dirty="0"/>
+          </a:p>
+          <a:p>
+            <a:pPr marL="342900" lvl="1" indent="0">
+              <a:buNone/>
+            </a:pPr>
+            <a:endParaRPr lang="en-US" dirty="0"/>
+          </a:p>
+        </p:txBody>
+      </p:sp>
+      <p:sp>
+        <p:nvSpPr>
+          <p:cNvPr id="4" name="Slide Number Placeholder 3">
+            <a:extLst>
+              <a:ext uri="{FF2B5EF4-FFF2-40B4-BE49-F238E27FC236}">
+                <a16:creationId xmlns:a16="http://schemas.microsoft.com/office/drawing/2014/main" id="{95BFF004-8597-4EE1-9E26-E6E863BC2509}"/>
+              </a:ext>
+            </a:extLst>
+          </p:cNvPr>
+          <p:cNvSpPr>
+            <a:spLocks noGrp="1"/>
+          </p:cNvSpPr>
+          <p:nvPr>
+            <p:ph type="sldNum" sz="quarter" idx="10"/>
+          </p:nvPr>
+        </p:nvSpPr>
+        <p:spPr/>
+        <p:txBody>
+          <a:bodyPr/>
+          <a:lstStyle/>
+          <a:p>
+            <a:pPr>
+              <a:defRPr/>
+            </a:pPr>
+            <a:fld id="{A722859C-89A0-4C1D-B3B9-DD0F9998A67A}" type="slidenum">
               <a:rPr lang="en-US" smtClean="0"/>
-              <a:pPr/>
+              <a:pPr>
+                <a:defRPr/>
+              </a:pPr>
               <a:t>8</a:t>
             </a:fld>
             <a:endParaRPr lang="en-US" dirty="0"/>
@@ -4682,7 +5124,106 @@
     </p:custDataLst>
     <p:extLst>
       <p:ext uri="{BB962C8B-B14F-4D97-AF65-F5344CB8AC3E}">
-        <p14:creationId xmlns:p14="http://schemas.microsoft.com/office/powerpoint/2010/main" val="1892705052"/>
+        <p14:creationId xmlns:p14="http://schemas.microsoft.com/office/powerpoint/2010/main" val="375746443"/>
+      </p:ext>
+    </p:extLst>
+  </p:cSld>
+  <p:clrMapOvr>
+    <a:masterClrMapping/>
+  </p:clrMapOvr>
+</p:sld>
+</file>
+
+<file path=ppt/slides/slide9.xml><?xml version="1.0" encoding="utf-8"?>
+<p:sld xmlns:a="http://schemas.openxmlformats.org/drawingml/2006/main" xmlns:r="http://schemas.openxmlformats.org/officeDocument/2006/relationships" xmlns:p="http://schemas.openxmlformats.org/presentationml/2006/main">
+  <p:cSld>
+    <p:spTree>
+      <p:nvGrpSpPr>
+        <p:cNvPr id="1" name=""/>
+        <p:cNvGrpSpPr/>
+        <p:nvPr/>
+      </p:nvGrpSpPr>
+      <p:grpSpPr>
+        <a:xfrm>
+          <a:off x="0" y="0"/>
+          <a:ext cx="0" cy="0"/>
+          <a:chOff x="0" y="0"/>
+          <a:chExt cx="0" cy="0"/>
+        </a:xfrm>
+      </p:grpSpPr>
+      <p:sp>
+        <p:nvSpPr>
+          <p:cNvPr id="2" name="Title 1"/>
+          <p:cNvSpPr>
+            <a:spLocks noGrp="1"/>
+          </p:cNvSpPr>
+          <p:nvPr>
+            <p:ph type="title"/>
+          </p:nvPr>
+        </p:nvSpPr>
+        <p:spPr/>
+        <p:txBody>
+          <a:bodyPr/>
+          <a:lstStyle/>
+          <a:p>
+            <a:r>
+              <a:rPr lang="en-US" dirty="0" err="1"/>
+              <a:t>Mitnick</a:t>
+            </a:r>
+            <a:endParaRPr lang="en-US" dirty="0"/>
+          </a:p>
+        </p:txBody>
+      </p:sp>
+      <p:sp>
+        <p:nvSpPr>
+          <p:cNvPr id="3" name="Content Placeholder 2"/>
+          <p:cNvSpPr>
+            <a:spLocks noGrp="1"/>
+          </p:cNvSpPr>
+          <p:nvPr>
+            <p:ph idx="1"/>
+          </p:nvPr>
+        </p:nvSpPr>
+        <p:spPr/>
+        <p:txBody>
+          <a:bodyPr/>
+          <a:lstStyle/>
+          <a:p>
+            <a:r>
+              <a:rPr lang="en-US" dirty="0"/>
+              <a:t>Read the following paper. </a:t>
+            </a:r>
+            <a:endParaRPr lang="en-US" dirty="0">
+              <a:hlinkClick r:id="rId3"/>
+            </a:endParaRPr>
+          </a:p>
+          <a:p>
+            <a:r>
+              <a:rPr lang="en-US" dirty="0">
+                <a:hlinkClick r:id="rId3"/>
+              </a:rPr>
+              <a:t>https://www.giac.org/paper/gsec/1929/kevin-mitnick-hacking/100826</a:t>
+            </a:r>
+            <a:r>
+              <a:rPr lang="en-US" dirty="0"/>
+              <a:t> </a:t>
+            </a:r>
+          </a:p>
+          <a:p>
+            <a:r>
+              <a:rPr lang="en-US" dirty="0"/>
+              <a:t>Discuss hit network infrastructure attacks.</a:t>
+            </a:r>
+          </a:p>
+        </p:txBody>
+      </p:sp>
+    </p:spTree>
+    <p:custDataLst>
+      <p:tags r:id="rId1"/>
+    </p:custDataLst>
+    <p:extLst>
+      <p:ext uri="{BB962C8B-B14F-4D97-AF65-F5344CB8AC3E}">
+        <p14:creationId xmlns:p14="http://schemas.microsoft.com/office/powerpoint/2010/main" val="3429436428"/>
       </p:ext>
     </p:extLst>
   </p:cSld>
@@ -4700,7 +5241,7 @@
   <p:tag name="ARTICULATE_USED_PAGE_ORIENTATION" val="1"/>
   <p:tag name="ARTICULATE_USED_PAGE_SIZE" val="1"/>
   <p:tag name="ARTICULATE_PROJECT_OPEN" val="0"/>
-  <p:tag name="ARTICULATE_SLIDE_COUNT" val="8"/>
+  <p:tag name="ARTICULATE_SLIDE_COUNT" val="11"/>
 </p:tagLst>
 </file>
 
@@ -4762,14 +5303,32 @@
 
 <file path=ppt/tags/tag19.xml><?xml version="1.0" encoding="utf-8"?>
 <p:tagLst xmlns:a="http://schemas.openxmlformats.org/drawingml/2006/main" xmlns:r="http://schemas.openxmlformats.org/officeDocument/2006/relationships" xmlns:p="http://schemas.openxmlformats.org/presentationml/2006/main">
-  <p:tag name="AUDIO_ID" val="333"/>
-  <p:tag name="ARTICULATE_USED_LAYOUT" val="9"/>
   <p:tag name="ARTICULATE_SLIDE_THUMBNAIL_REFRESH" val="1"/>
 </p:tagLst>
 </file>
 
 <file path=ppt/tags/tag2.xml><?xml version="1.0" encoding="utf-8"?>
 <p:tagLst xmlns:a="http://schemas.openxmlformats.org/drawingml/2006/main" xmlns:r="http://schemas.openxmlformats.org/officeDocument/2006/relationships" xmlns:p="http://schemas.openxmlformats.org/presentationml/2006/main">
+  <p:tag name="ARTICULATE_SLIDE_THUMBNAIL_REFRESH" val="1"/>
+</p:tagLst>
+</file>
+
+<file path=ppt/tags/tag20.xml><?xml version="1.0" encoding="utf-8"?>
+<p:tagLst xmlns:a="http://schemas.openxmlformats.org/drawingml/2006/main" xmlns:r="http://schemas.openxmlformats.org/officeDocument/2006/relationships" xmlns:p="http://schemas.openxmlformats.org/presentationml/2006/main">
+  <p:tag name="ARTICULATE_SLIDE_THUMBNAIL_REFRESH" val="1"/>
+</p:tagLst>
+</file>
+
+<file path=ppt/tags/tag21.xml><?xml version="1.0" encoding="utf-8"?>
+<p:tagLst xmlns:a="http://schemas.openxmlformats.org/drawingml/2006/main" xmlns:r="http://schemas.openxmlformats.org/officeDocument/2006/relationships" xmlns:p="http://schemas.openxmlformats.org/presentationml/2006/main">
+  <p:tag name="ARTICULATE_SLIDE_THUMBNAIL_REFRESH" val="1"/>
+</p:tagLst>
+</file>
+
+<file path=ppt/tags/tag22.xml><?xml version="1.0" encoding="utf-8"?>
+<p:tagLst xmlns:a="http://schemas.openxmlformats.org/drawingml/2006/main" xmlns:r="http://schemas.openxmlformats.org/officeDocument/2006/relationships" xmlns:p="http://schemas.openxmlformats.org/presentationml/2006/main">
+  <p:tag name="AUDIO_ID" val="333"/>
+  <p:tag name="ARTICULATE_USED_LAYOUT" val="9"/>
   <p:tag name="ARTICULATE_SLIDE_THUMBNAIL_REFRESH" val="1"/>
 </p:tagLst>
 </file>

--- a/Network-Security/Module_1 Internetworking/Lesson_4 Network Attacks and Threats .pptx
+++ b/Network-Security/Module_1 Internetworking/Lesson_4 Network Attacks and Threats .pptx
@@ -5,7 +5,7 @@
     <p:sldMasterId id="2147483686" r:id="rId1"/>
   </p:sldMasterIdLst>
   <p:notesMasterIdLst>
-    <p:notesMasterId r:id="rId13"/>
+    <p:notesMasterId r:id="rId10"/>
   </p:notesMasterIdLst>
   <p:sldIdLst>
     <p:sldId id="256" r:id="rId2"/>
@@ -14,16 +14,13 @@
     <p:sldId id="335" r:id="rId5"/>
     <p:sldId id="336" r:id="rId6"/>
     <p:sldId id="337" r:id="rId7"/>
-    <p:sldId id="340" r:id="rId8"/>
-    <p:sldId id="341" r:id="rId9"/>
-    <p:sldId id="338" r:id="rId10"/>
-    <p:sldId id="342" r:id="rId11"/>
-    <p:sldId id="333" r:id="rId12"/>
+    <p:sldId id="338" r:id="rId8"/>
+    <p:sldId id="333" r:id="rId9"/>
   </p:sldIdLst>
   <p:sldSz cx="9144000" cy="6858000" type="screen4x3"/>
   <p:notesSz cx="7315200" cy="9601200"/>
   <p:custDataLst>
-    <p:tags r:id="rId14"/>
+    <p:tags r:id="rId11"/>
   </p:custDataLst>
   <p:defaultTextStyle>
     <a:defPPr>
@@ -278,7 +275,7 @@
               <a:pPr>
                 <a:defRPr/>
               </a:pPr>
-              <a:t>4/3/2018</a:t>
+              <a:t>4/20/18</a:t>
             </a:fld>
             <a:endParaRPr lang="en-US"/>
           </a:p>
@@ -801,7 +798,7 @@
               <a:pPr>
                 <a:defRPr/>
               </a:pPr>
-              <a:t>11</a:t>
+              <a:t>8</a:t>
             </a:fld>
             <a:endParaRPr lang="en-US"/>
           </a:p>
@@ -2774,7 +2771,7 @@
           <p:cNvPr id="2" name="Title 1">
             <a:extLst>
               <a:ext uri="{FF2B5EF4-FFF2-40B4-BE49-F238E27FC236}">
-                <a16:creationId xmlns:a16="http://schemas.microsoft.com/office/drawing/2014/main" id="{5C287DE2-E1A2-4F41-96FE-94AF4425CB03}"/>
+                <a16:creationId xmlns:a16="http://schemas.microsoft.com/office/drawing/2014/main" xmlns="" id="{5C287DE2-E1A2-4F41-96FE-94AF4425CB03}"/>
               </a:ext>
             </a:extLst>
           </p:cNvPr>
@@ -2799,6 +2796,10 @@
             </a:lvl1pPr>
           </a:lstStyle>
           <a:p>
+            <a:r>
+              <a:rPr lang="en-US" dirty="0"/>
+              <a:t/>
+            </a:r>
             <a:br>
               <a:rPr lang="en-US" dirty="0"/>
             </a:br>
@@ -2809,27 +2810,59 @@
             <a:br>
               <a:rPr lang="en-US" dirty="0"/>
             </a:br>
+            <a:r>
+              <a:rPr lang="en-US" dirty="0"/>
+              <a:t/>
+            </a:r>
             <a:br>
               <a:rPr lang="en-US" dirty="0"/>
             </a:br>
+            <a:r>
+              <a:rPr lang="en-US" dirty="0"/>
+              <a:t/>
+            </a:r>
             <a:br>
               <a:rPr lang="en-US" dirty="0"/>
             </a:br>
+            <a:r>
+              <a:rPr lang="en-US" dirty="0"/>
+              <a:t/>
+            </a:r>
             <a:br>
               <a:rPr lang="en-US" dirty="0"/>
             </a:br>
+            <a:r>
+              <a:rPr lang="en-US" dirty="0"/>
+              <a:t/>
+            </a:r>
             <a:br>
               <a:rPr lang="en-US" dirty="0"/>
             </a:br>
+            <a:r>
+              <a:rPr lang="en-US" dirty="0"/>
+              <a:t/>
+            </a:r>
             <a:br>
               <a:rPr lang="en-US" dirty="0"/>
             </a:br>
+            <a:r>
+              <a:rPr lang="en-US" dirty="0"/>
+              <a:t/>
+            </a:r>
             <a:br>
               <a:rPr lang="en-US" dirty="0"/>
             </a:br>
+            <a:r>
+              <a:rPr lang="en-US" dirty="0"/>
+              <a:t/>
+            </a:r>
             <a:br>
               <a:rPr lang="en-US" dirty="0"/>
             </a:br>
+            <a:r>
+              <a:rPr lang="en-US" dirty="0"/>
+              <a:t/>
+            </a:r>
             <a:br>
               <a:rPr lang="en-US" dirty="0"/>
             </a:br>
@@ -2840,6 +2873,10 @@
             <a:br>
               <a:rPr lang="en-US" dirty="0"/>
             </a:br>
+            <a:r>
+              <a:rPr lang="en-US" dirty="0"/>
+              <a:t/>
+            </a:r>
             <a:br>
               <a:rPr lang="en-US" dirty="0"/>
             </a:br>
@@ -2850,6 +2887,10 @@
             <a:br>
               <a:rPr lang="en-US" dirty="0"/>
             </a:br>
+            <a:r>
+              <a:rPr lang="en-US" dirty="0"/>
+              <a:t/>
+            </a:r>
             <a:br>
               <a:rPr lang="en-US" dirty="0"/>
             </a:br>
@@ -2869,7 +2910,7 @@
           <p:cNvPr id="3" name="Slide Number Placeholder 2">
             <a:extLst>
               <a:ext uri="{FF2B5EF4-FFF2-40B4-BE49-F238E27FC236}">
-                <a16:creationId xmlns:a16="http://schemas.microsoft.com/office/drawing/2014/main" id="{7D2FFADE-E1BC-48C1-83AA-6DDDD39A33C4}"/>
+                <a16:creationId xmlns:a16="http://schemas.microsoft.com/office/drawing/2014/main" xmlns="" id="{7D2FFADE-E1BC-48C1-83AA-6DDDD39A33C4}"/>
               </a:ext>
             </a:extLst>
           </p:cNvPr>
@@ -2904,7 +2945,7 @@
           <p:cNvPr id="9" name="Picture 8">
             <a:extLst>
               <a:ext uri="{FF2B5EF4-FFF2-40B4-BE49-F238E27FC236}">
-                <a16:creationId xmlns:a16="http://schemas.microsoft.com/office/drawing/2014/main" id="{9CBFC76A-A606-42CF-BCDF-C73975C150B9}"/>
+                <a16:creationId xmlns:a16="http://schemas.microsoft.com/office/drawing/2014/main" xmlns="" id="{9CBFC76A-A606-42CF-BCDF-C73975C150B9}"/>
               </a:ext>
             </a:extLst>
           </p:cNvPr>
@@ -3859,9 +3900,17 @@
           <a:bodyPr/>
           <a:lstStyle/>
           <a:p>
+            <a:r>
+              <a:rPr lang="en-US" dirty="0"/>
+              <a:t/>
+            </a:r>
             <a:br>
               <a:rPr lang="en-US" dirty="0"/>
             </a:br>
+            <a:r>
+              <a:rPr lang="en-US" dirty="0"/>
+              <a:t/>
+            </a:r>
             <a:br>
               <a:rPr lang="en-US" dirty="0"/>
             </a:br>
@@ -3889,7 +3938,15 @@
           <a:p>
             <a:r>
               <a:rPr lang="en-US" dirty="0"/>
-              <a:t>Lesson 2: Network Services and Threats</a:t>
+              <a:t>Lesson </a:t>
+            </a:r>
+            <a:r>
+              <a:rPr lang="en-US" dirty="0" smtClean="0"/>
+              <a:t>4: </a:t>
+            </a:r>
+            <a:r>
+              <a:rPr lang="en-US" dirty="0"/>
+              <a:t>Network Services and Threats</a:t>
             </a:r>
           </a:p>
         </p:txBody>
@@ -3898,225 +3955,6 @@
     <p:custDataLst>
       <p:tags r:id="rId1"/>
     </p:custDataLst>
-  </p:cSld>
-  <p:clrMapOvr>
-    <a:masterClrMapping/>
-  </p:clrMapOvr>
-</p:sld>
-</file>
-
-<file path=ppt/slides/slide10.xml><?xml version="1.0" encoding="utf-8"?>
-<p:sld xmlns:a="http://schemas.openxmlformats.org/drawingml/2006/main" xmlns:r="http://schemas.openxmlformats.org/officeDocument/2006/relationships" xmlns:p="http://schemas.openxmlformats.org/presentationml/2006/main">
-  <p:cSld>
-    <p:spTree>
-      <p:nvGrpSpPr>
-        <p:cNvPr id="1" name=""/>
-        <p:cNvGrpSpPr/>
-        <p:nvPr/>
-      </p:nvGrpSpPr>
-      <p:grpSpPr>
-        <a:xfrm>
-          <a:off x="0" y="0"/>
-          <a:ext cx="0" cy="0"/>
-          <a:chOff x="0" y="0"/>
-          <a:chExt cx="0" cy="0"/>
-        </a:xfrm>
-      </p:grpSpPr>
-      <p:sp>
-        <p:nvSpPr>
-          <p:cNvPr id="2" name="Title 1">
-            <a:extLst>
-              <a:ext uri="{FF2B5EF4-FFF2-40B4-BE49-F238E27FC236}">
-                <a16:creationId xmlns:a16="http://schemas.microsoft.com/office/drawing/2014/main" id="{C5A44818-C045-4C83-8F44-AD5AE579B3ED}"/>
-              </a:ext>
-            </a:extLst>
-          </p:cNvPr>
-          <p:cNvSpPr>
-            <a:spLocks noGrp="1"/>
-          </p:cNvSpPr>
-          <p:nvPr>
-            <p:ph type="title"/>
-          </p:nvPr>
-        </p:nvSpPr>
-        <p:spPr/>
-        <p:txBody>
-          <a:bodyPr/>
-          <a:lstStyle/>
-          <a:p>
-            <a:r>
-              <a:rPr lang="en-US" dirty="0"/>
-              <a:t>Network Security</a:t>
-            </a:r>
-          </a:p>
-        </p:txBody>
-      </p:sp>
-      <p:sp>
-        <p:nvSpPr>
-          <p:cNvPr id="3" name="Content Placeholder 2">
-            <a:extLst>
-              <a:ext uri="{FF2B5EF4-FFF2-40B4-BE49-F238E27FC236}">
-                <a16:creationId xmlns:a16="http://schemas.microsoft.com/office/drawing/2014/main" id="{AD043352-61A4-4783-984B-629AC9E23F6B}"/>
-              </a:ext>
-            </a:extLst>
-          </p:cNvPr>
-          <p:cNvSpPr>
-            <a:spLocks noGrp="1"/>
-          </p:cNvSpPr>
-          <p:nvPr>
-            <p:ph idx="1"/>
-          </p:nvPr>
-        </p:nvSpPr>
-        <p:spPr/>
-        <p:txBody>
-          <a:bodyPr/>
-          <a:lstStyle/>
-          <a:p>
-            <a:r>
-              <a:rPr lang="en-US" dirty="0"/>
-              <a:t>Group discussion:</a:t>
-            </a:r>
-          </a:p>
-          <a:p>
-            <a:pPr lvl="1"/>
-            <a:r>
-              <a:rPr lang="en-US" dirty="0"/>
-              <a:t>How can we solve/mitigate some of these threats?</a:t>
-            </a:r>
-          </a:p>
-        </p:txBody>
-      </p:sp>
-      <p:sp>
-        <p:nvSpPr>
-          <p:cNvPr id="4" name="Slide Number Placeholder 3">
-            <a:extLst>
-              <a:ext uri="{FF2B5EF4-FFF2-40B4-BE49-F238E27FC236}">
-                <a16:creationId xmlns:a16="http://schemas.microsoft.com/office/drawing/2014/main" id="{4AD17A3C-97A8-4BE7-ABC6-DB9F44DFF9A4}"/>
-              </a:ext>
-            </a:extLst>
-          </p:cNvPr>
-          <p:cNvSpPr>
-            <a:spLocks noGrp="1"/>
-          </p:cNvSpPr>
-          <p:nvPr>
-            <p:ph type="sldNum" sz="quarter" idx="10"/>
-          </p:nvPr>
-        </p:nvSpPr>
-        <p:spPr/>
-        <p:txBody>
-          <a:bodyPr/>
-          <a:lstStyle/>
-          <a:p>
-            <a:pPr>
-              <a:defRPr/>
-            </a:pPr>
-            <a:fld id="{A722859C-89A0-4C1D-B3B9-DD0F9998A67A}" type="slidenum">
-              <a:rPr lang="en-US" smtClean="0"/>
-              <a:pPr>
-                <a:defRPr/>
-              </a:pPr>
-              <a:t>10</a:t>
-            </a:fld>
-            <a:endParaRPr lang="en-US" dirty="0"/>
-          </a:p>
-        </p:txBody>
-      </p:sp>
-    </p:spTree>
-    <p:custDataLst>
-      <p:tags r:id="rId1"/>
-    </p:custDataLst>
-    <p:extLst>
-      <p:ext uri="{BB962C8B-B14F-4D97-AF65-F5344CB8AC3E}">
-        <p14:creationId xmlns:p14="http://schemas.microsoft.com/office/powerpoint/2010/main" val="3269252272"/>
-      </p:ext>
-    </p:extLst>
-  </p:cSld>
-  <p:clrMapOvr>
-    <a:masterClrMapping/>
-  </p:clrMapOvr>
-</p:sld>
-</file>
-
-<file path=ppt/slides/slide11.xml><?xml version="1.0" encoding="utf-8"?>
-<p:sld xmlns:a="http://schemas.openxmlformats.org/drawingml/2006/main" xmlns:r="http://schemas.openxmlformats.org/officeDocument/2006/relationships" xmlns:p="http://schemas.openxmlformats.org/presentationml/2006/main">
-  <p:cSld>
-    <p:spTree>
-      <p:nvGrpSpPr>
-        <p:cNvPr id="1" name=""/>
-        <p:cNvGrpSpPr/>
-        <p:nvPr/>
-      </p:nvGrpSpPr>
-      <p:grpSpPr>
-        <a:xfrm>
-          <a:off x="0" y="0"/>
-          <a:ext cx="0" cy="0"/>
-          <a:chOff x="0" y="0"/>
-          <a:chExt cx="0" cy="0"/>
-        </a:xfrm>
-      </p:grpSpPr>
-      <p:sp>
-        <p:nvSpPr>
-          <p:cNvPr id="11" name="Title 10">
-            <a:extLst>
-              <a:ext uri="{FF2B5EF4-FFF2-40B4-BE49-F238E27FC236}">
-                <a16:creationId xmlns:a16="http://schemas.microsoft.com/office/drawing/2014/main" id="{1F52A716-5142-4987-84C0-078D1007C406}"/>
-              </a:ext>
-            </a:extLst>
-          </p:cNvPr>
-          <p:cNvSpPr>
-            <a:spLocks noGrp="1"/>
-          </p:cNvSpPr>
-          <p:nvPr>
-            <p:ph type="title"/>
-          </p:nvPr>
-        </p:nvSpPr>
-        <p:spPr/>
-        <p:txBody>
-          <a:bodyPr/>
-          <a:lstStyle/>
-          <a:p>
-            <a:endParaRPr lang="en-US"/>
-          </a:p>
-        </p:txBody>
-      </p:sp>
-      <p:sp>
-        <p:nvSpPr>
-          <p:cNvPr id="7" name="Slide Number Placeholder 6">
-            <a:extLst>
-              <a:ext uri="{FF2B5EF4-FFF2-40B4-BE49-F238E27FC236}">
-                <a16:creationId xmlns:a16="http://schemas.microsoft.com/office/drawing/2014/main" id="{27B55DC7-B95B-4807-B808-1E7A81E0F45A}"/>
-              </a:ext>
-            </a:extLst>
-          </p:cNvPr>
-          <p:cNvSpPr>
-            <a:spLocks noGrp="1"/>
-          </p:cNvSpPr>
-          <p:nvPr>
-            <p:ph type="sldNum" sz="quarter" idx="10"/>
-          </p:nvPr>
-        </p:nvSpPr>
-        <p:spPr/>
-        <p:txBody>
-          <a:bodyPr/>
-          <a:lstStyle/>
-          <a:p>
-            <a:fld id="{FB267019-40B7-405C-98B7-75F3216AFF79}" type="slidenum">
-              <a:rPr lang="en-US" smtClean="0"/>
-              <a:pPr/>
-              <a:t>11</a:t>
-            </a:fld>
-            <a:endParaRPr lang="en-US" dirty="0"/>
-          </a:p>
-        </p:txBody>
-      </p:sp>
-    </p:spTree>
-    <p:custDataLst>
-      <p:tags r:id="rId1"/>
-    </p:custDataLst>
-    <p:extLst>
-      <p:ext uri="{BB962C8B-B14F-4D97-AF65-F5344CB8AC3E}">
-        <p14:creationId xmlns:p14="http://schemas.microsoft.com/office/powerpoint/2010/main" val="1892705052"/>
-      </p:ext>
-    </p:extLst>
   </p:cSld>
   <p:clrMapOvr>
     <a:masterClrMapping/>
@@ -4761,13 +4599,7 @@
       </p:grpSpPr>
       <p:sp>
         <p:nvSpPr>
-          <p:cNvPr id="2" name="Title 1">
-            <a:extLst>
-              <a:ext uri="{FF2B5EF4-FFF2-40B4-BE49-F238E27FC236}">
-                <a16:creationId xmlns:a16="http://schemas.microsoft.com/office/drawing/2014/main" id="{15086942-49DC-40D4-B213-312AA852FDA5}"/>
-              </a:ext>
-            </a:extLst>
-          </p:cNvPr>
+          <p:cNvPr id="2" name="Title 1"/>
           <p:cNvSpPr>
             <a:spLocks noGrp="1"/>
           </p:cNvSpPr>
@@ -4781,21 +4613,16 @@
           <a:lstStyle/>
           <a:p>
             <a:r>
-              <a:rPr lang="en-US" dirty="0"/>
-              <a:t>Network Threats</a:t>
-            </a:r>
-          </a:p>
-        </p:txBody>
-      </p:sp>
-      <p:sp>
-        <p:nvSpPr>
-          <p:cNvPr id="3" name="Content Placeholder 2">
-            <a:extLst>
-              <a:ext uri="{FF2B5EF4-FFF2-40B4-BE49-F238E27FC236}">
-                <a16:creationId xmlns:a16="http://schemas.microsoft.com/office/drawing/2014/main" id="{43A6DA86-A76C-4725-9ACF-DFCD26D54C10}"/>
-              </a:ext>
-            </a:extLst>
-          </p:cNvPr>
+              <a:rPr lang="en-US" dirty="0" err="1"/>
+              <a:t>Mitnick</a:t>
+            </a:r>
+            <a:endParaRPr lang="en-US" dirty="0"/>
+          </a:p>
+        </p:txBody>
+      </p:sp>
+      <p:sp>
+        <p:nvSpPr>
+          <p:cNvPr id="3" name="Content Placeholder 2"/>
           <p:cNvSpPr>
             <a:spLocks noGrp="1"/>
           </p:cNvSpPr>
@@ -4809,140 +4636,15 @@
           <a:lstStyle/>
           <a:p>
             <a:r>
-              <a:rPr lang="en-US" dirty="0"/>
-              <a:t>Threats Against Infrastructure</a:t>
-            </a:r>
-          </a:p>
-          <a:p>
-            <a:pPr lvl="1"/>
-            <a:r>
-              <a:rPr lang="en-US" b="1" dirty="0"/>
-              <a:t>Man-in-the-Middle</a:t>
-            </a:r>
-            <a:r>
-              <a:rPr lang="en-US" dirty="0"/>
-              <a:t> – an attacker inserts their computer into the network between the sender and receiver:</a:t>
-            </a:r>
-          </a:p>
-          <a:p>
-            <a:pPr lvl="2"/>
-            <a:r>
-              <a:rPr lang="en-US" i="1" dirty="0"/>
-              <a:t>Eavesdropping</a:t>
-            </a:r>
-            <a:r>
-              <a:rPr lang="en-US" dirty="0"/>
-              <a:t> – can unauthorized user “listen-in” on conversations? Can they obtain copies of messages sent between computers? – </a:t>
-            </a:r>
-            <a:r>
-              <a:rPr lang="en-US" i="1" dirty="0"/>
-              <a:t>Passive Attack</a:t>
-            </a:r>
-            <a:endParaRPr lang="en-US" dirty="0"/>
-          </a:p>
-          <a:p>
-            <a:pPr lvl="2"/>
-            <a:r>
-              <a:rPr lang="en-US" i="1" dirty="0"/>
-              <a:t>Tampering</a:t>
-            </a:r>
-            <a:r>
-              <a:rPr lang="en-US" dirty="0"/>
-              <a:t> – can unauthorized users insert new messages or modify/delete messages from the network infrastructure? – </a:t>
-            </a:r>
-            <a:r>
-              <a:rPr lang="en-US" i="1" dirty="0"/>
-              <a:t>Active Attack</a:t>
-            </a:r>
-            <a:endParaRPr lang="en-US" dirty="0"/>
-          </a:p>
-          <a:p>
-            <a:pPr lvl="1"/>
-            <a:r>
-              <a:rPr lang="en-US" b="1" dirty="0"/>
-              <a:t>Re-routing</a:t>
-            </a:r>
-            <a:r>
-              <a:rPr lang="en-US" dirty="0"/>
-              <a:t> – can an attacker cause the internet to route packets to different locations? Effective in wired or wireless networks.</a:t>
-            </a:r>
-          </a:p>
-          <a:p>
-            <a:pPr lvl="2"/>
-            <a:r>
-              <a:rPr lang="en-US" i="1" dirty="0"/>
-              <a:t>Black Hole </a:t>
-            </a:r>
-            <a:r>
-              <a:rPr lang="en-US" dirty="0"/>
-              <a:t>– compromised node tries to reroute all traffic from surrounding neighbors to itself and deletes them</a:t>
-            </a:r>
-          </a:p>
-          <a:p>
-            <a:pPr lvl="2"/>
-            <a:r>
-              <a:rPr lang="en-US" i="1" dirty="0"/>
-              <a:t>Sink Hole</a:t>
-            </a:r>
-            <a:r>
-              <a:rPr lang="en-US" dirty="0"/>
-              <a:t> – like black hole, and selectively deletes them</a:t>
-            </a:r>
-          </a:p>
-          <a:p>
-            <a:pPr lvl="2"/>
-            <a:r>
-              <a:rPr lang="en-US" i="1" dirty="0"/>
-              <a:t>Spoofing</a:t>
-            </a:r>
-            <a:r>
-              <a:rPr lang="en-US" dirty="0"/>
-              <a:t> – can attacker simulate a </a:t>
-            </a:r>
-            <a:r>
-              <a:rPr lang="en-US" dirty="0" err="1"/>
-              <a:t>legitiamte</a:t>
-            </a:r>
-            <a:r>
-              <a:rPr lang="en-US" dirty="0"/>
-              <a:t> destination/source address</a:t>
-            </a:r>
-            <a:endParaRPr lang="en-US" i="1" dirty="0"/>
-          </a:p>
-        </p:txBody>
-      </p:sp>
-      <p:sp>
-        <p:nvSpPr>
-          <p:cNvPr id="4" name="Slide Number Placeholder 3">
-            <a:extLst>
-              <a:ext uri="{FF2B5EF4-FFF2-40B4-BE49-F238E27FC236}">
-                <a16:creationId xmlns:a16="http://schemas.microsoft.com/office/drawing/2014/main" id="{2EA1FD7B-7CDF-45B6-959F-D6168F385061}"/>
-              </a:ext>
-            </a:extLst>
-          </p:cNvPr>
-          <p:cNvSpPr>
-            <a:spLocks noGrp="1"/>
-          </p:cNvSpPr>
-          <p:nvPr>
-            <p:ph type="sldNum" sz="quarter" idx="10"/>
-          </p:nvPr>
-        </p:nvSpPr>
-        <p:spPr/>
-        <p:txBody>
-          <a:bodyPr/>
-          <a:lstStyle/>
-          <a:p>
-            <a:pPr>
-              <a:defRPr/>
-            </a:pPr>
-            <a:fld id="{A722859C-89A0-4C1D-B3B9-DD0F9998A67A}" type="slidenum">
-              <a:rPr lang="en-US" smtClean="0"/>
-              <a:pPr>
-                <a:defRPr/>
-              </a:pPr>
-              <a:t>7</a:t>
-            </a:fld>
-            <a:endParaRPr lang="en-US" dirty="0"/>
+              <a:rPr lang="en-US">
+                <a:hlinkClick r:id="rId3"/>
+              </a:rPr>
+              <a:t>https://www.giac.org/paper/gsec/1929/kevin-mitnick-hacking/100826</a:t>
+            </a:r>
+            <a:r>
+              <a:rPr lang="en-US"/>
+              <a:t> </a:t>
+            </a:r>
           </a:p>
         </p:txBody>
       </p:sp>
@@ -4952,7 +4654,7 @@
     </p:custDataLst>
     <p:extLst>
       <p:ext uri="{BB962C8B-B14F-4D97-AF65-F5344CB8AC3E}">
-        <p14:creationId xmlns:p14="http://schemas.microsoft.com/office/powerpoint/2010/main" val="3974831626"/>
+        <p14:creationId xmlns:p14="http://schemas.microsoft.com/office/powerpoint/2010/main" val="3429436428"/>
       </p:ext>
     </p:extLst>
   </p:cSld>
@@ -4981,10 +4683,10 @@
       </p:grpSpPr>
       <p:sp>
         <p:nvSpPr>
-          <p:cNvPr id="2" name="Title 1">
+          <p:cNvPr id="11" name="Title 10">
             <a:extLst>
               <a:ext uri="{FF2B5EF4-FFF2-40B4-BE49-F238E27FC236}">
-                <a16:creationId xmlns:a16="http://schemas.microsoft.com/office/drawing/2014/main" id="{910BFB26-AC60-4233-9663-74D9EE914A27}"/>
+                <a16:creationId xmlns:a16="http://schemas.microsoft.com/office/drawing/2014/main" xmlns="" id="{1F52A716-5142-4987-84C0-078D1007C406}"/>
               </a:ext>
             </a:extLst>
           </p:cNvPr>
@@ -5000,19 +4702,16 @@
           <a:bodyPr/>
           <a:lstStyle/>
           <a:p>
-            <a:r>
-              <a:rPr lang="en-US" dirty="0"/>
-              <a:t>Network Threats (part 2)</a:t>
-            </a:r>
-          </a:p>
-        </p:txBody>
-      </p:sp>
-      <p:sp>
-        <p:nvSpPr>
-          <p:cNvPr id="3" name="Content Placeholder 2">
+            <a:endParaRPr lang="en-US"/>
+          </a:p>
+        </p:txBody>
+      </p:sp>
+      <p:sp>
+        <p:nvSpPr>
+          <p:cNvPr id="7" name="Slide Number Placeholder 6">
             <a:extLst>
               <a:ext uri="{FF2B5EF4-FFF2-40B4-BE49-F238E27FC236}">
-                <a16:creationId xmlns:a16="http://schemas.microsoft.com/office/drawing/2014/main" id="{B85DB53C-3BC7-446F-82B4-D48934471C11}"/>
+                <a16:creationId xmlns:a16="http://schemas.microsoft.com/office/drawing/2014/main" xmlns="" id="{27B55DC7-B95B-4807-B808-1E7A81E0F45A}"/>
               </a:ext>
             </a:extLst>
           </p:cNvPr>
@@ -5020,7 +4719,7 @@
             <a:spLocks noGrp="1"/>
           </p:cNvSpPr>
           <p:nvPr>
-            <p:ph idx="1"/>
+            <p:ph type="sldNum" sz="quarter" idx="10"/>
           </p:nvPr>
         </p:nvSpPr>
         <p:spPr/>
@@ -5028,90 +4727,9 @@
           <a:bodyPr/>
           <a:lstStyle/>
           <a:p>
-            <a:pPr lvl="1"/>
-            <a:r>
-              <a:rPr lang="en-US" dirty="0"/>
-              <a:t>Denial of Service: Beyond the routing attacks</a:t>
-            </a:r>
-          </a:p>
-          <a:p>
-            <a:pPr lvl="2"/>
-            <a:r>
-              <a:rPr lang="en-US" i="1" dirty="0"/>
-              <a:t>Protocol attacks </a:t>
-            </a:r>
-            <a:r>
-              <a:rPr lang="en-US" dirty="0"/>
-              <a:t>– can an attacker send specific types of data, or large amounts of packets to cause the receiver to use up resources and thus be unable to respond to legitimate traffic?</a:t>
-            </a:r>
-          </a:p>
-          <a:p>
-            <a:pPr lvl="2"/>
-            <a:r>
-              <a:rPr lang="en-US" i="1" dirty="0"/>
-              <a:t>Botnets – </a:t>
-            </a:r>
-            <a:r>
-              <a:rPr lang="en-US" dirty="0"/>
-              <a:t>can an attacker cause a machine to become an unwitting accomplice in an attack, effectively setting up a bot on the victim machine and controlling a network of these?  Large numbers of bots can cerate a distributed denial of service attack?</a:t>
-            </a:r>
-          </a:p>
-          <a:p>
-            <a:pPr lvl="2"/>
-            <a:r>
-              <a:rPr lang="en-US" i="1" dirty="0"/>
-              <a:t>Race Conditions – </a:t>
-            </a:r>
-            <a:r>
-              <a:rPr lang="en-US" dirty="0"/>
-              <a:t>can attacker slow down a server to enable a spoofing or </a:t>
-            </a:r>
-            <a:r>
-              <a:rPr lang="en-US"/>
-              <a:t>masquerading attack?</a:t>
-            </a:r>
-            <a:br>
-              <a:rPr lang="en-US" dirty="0"/>
-            </a:br>
-            <a:endParaRPr lang="en-US" i="1" dirty="0"/>
-          </a:p>
-          <a:p>
-            <a:pPr marL="342900" lvl="1" indent="0">
-              <a:buNone/>
-            </a:pPr>
-            <a:endParaRPr lang="en-US" dirty="0"/>
-          </a:p>
-        </p:txBody>
-      </p:sp>
-      <p:sp>
-        <p:nvSpPr>
-          <p:cNvPr id="4" name="Slide Number Placeholder 3">
-            <a:extLst>
-              <a:ext uri="{FF2B5EF4-FFF2-40B4-BE49-F238E27FC236}">
-                <a16:creationId xmlns:a16="http://schemas.microsoft.com/office/drawing/2014/main" id="{95BFF004-8597-4EE1-9E26-E6E863BC2509}"/>
-              </a:ext>
-            </a:extLst>
-          </p:cNvPr>
-          <p:cNvSpPr>
-            <a:spLocks noGrp="1"/>
-          </p:cNvSpPr>
-          <p:nvPr>
-            <p:ph type="sldNum" sz="quarter" idx="10"/>
-          </p:nvPr>
-        </p:nvSpPr>
-        <p:spPr/>
-        <p:txBody>
-          <a:bodyPr/>
-          <a:lstStyle/>
-          <a:p>
-            <a:pPr>
-              <a:defRPr/>
-            </a:pPr>
-            <a:fld id="{A722859C-89A0-4C1D-B3B9-DD0F9998A67A}" type="slidenum">
+            <a:fld id="{FB267019-40B7-405C-98B7-75F3216AFF79}" type="slidenum">
               <a:rPr lang="en-US" smtClean="0"/>
-              <a:pPr>
-                <a:defRPr/>
-              </a:pPr>
+              <a:pPr/>
               <a:t>8</a:t>
             </a:fld>
             <a:endParaRPr lang="en-US" dirty="0"/>
@@ -5124,106 +4742,7 @@
     </p:custDataLst>
     <p:extLst>
       <p:ext uri="{BB962C8B-B14F-4D97-AF65-F5344CB8AC3E}">
-        <p14:creationId xmlns:p14="http://schemas.microsoft.com/office/powerpoint/2010/main" val="375746443"/>
-      </p:ext>
-    </p:extLst>
-  </p:cSld>
-  <p:clrMapOvr>
-    <a:masterClrMapping/>
-  </p:clrMapOvr>
-</p:sld>
-</file>
-
-<file path=ppt/slides/slide9.xml><?xml version="1.0" encoding="utf-8"?>
-<p:sld xmlns:a="http://schemas.openxmlformats.org/drawingml/2006/main" xmlns:r="http://schemas.openxmlformats.org/officeDocument/2006/relationships" xmlns:p="http://schemas.openxmlformats.org/presentationml/2006/main">
-  <p:cSld>
-    <p:spTree>
-      <p:nvGrpSpPr>
-        <p:cNvPr id="1" name=""/>
-        <p:cNvGrpSpPr/>
-        <p:nvPr/>
-      </p:nvGrpSpPr>
-      <p:grpSpPr>
-        <a:xfrm>
-          <a:off x="0" y="0"/>
-          <a:ext cx="0" cy="0"/>
-          <a:chOff x="0" y="0"/>
-          <a:chExt cx="0" cy="0"/>
-        </a:xfrm>
-      </p:grpSpPr>
-      <p:sp>
-        <p:nvSpPr>
-          <p:cNvPr id="2" name="Title 1"/>
-          <p:cNvSpPr>
-            <a:spLocks noGrp="1"/>
-          </p:cNvSpPr>
-          <p:nvPr>
-            <p:ph type="title"/>
-          </p:nvPr>
-        </p:nvSpPr>
-        <p:spPr/>
-        <p:txBody>
-          <a:bodyPr/>
-          <a:lstStyle/>
-          <a:p>
-            <a:r>
-              <a:rPr lang="en-US" dirty="0" err="1"/>
-              <a:t>Mitnick</a:t>
-            </a:r>
-            <a:endParaRPr lang="en-US" dirty="0"/>
-          </a:p>
-        </p:txBody>
-      </p:sp>
-      <p:sp>
-        <p:nvSpPr>
-          <p:cNvPr id="3" name="Content Placeholder 2"/>
-          <p:cNvSpPr>
-            <a:spLocks noGrp="1"/>
-          </p:cNvSpPr>
-          <p:nvPr>
-            <p:ph idx="1"/>
-          </p:nvPr>
-        </p:nvSpPr>
-        <p:spPr/>
-        <p:txBody>
-          <a:bodyPr/>
-          <a:lstStyle/>
-          <a:p>
-            <a:r>
-              <a:rPr lang="en-US" dirty="0"/>
-              <a:t>Read the following paper. </a:t>
-            </a:r>
-            <a:endParaRPr lang="en-US" dirty="0">
-              <a:hlinkClick r:id="rId3"/>
-            </a:endParaRPr>
-          </a:p>
-          <a:p>
-            <a:r>
-              <a:rPr lang="en-US" dirty="0">
-                <a:hlinkClick r:id="rId3"/>
-              </a:rPr>
-              <a:t>https://www.giac.org/paper/gsec/1929/kevin-mitnick-hacking/100826</a:t>
-            </a:r>
-            <a:r>
-              <a:rPr lang="en-US" dirty="0"/>
-              <a:t> </a:t>
-            </a:r>
-          </a:p>
-          <a:p>
-            <a:r>
-              <a:rPr lang="en-US" dirty="0"/>
-              <a:t>Discuss hit network infrastructure attacks.</a:t>
-            </a:r>
-          </a:p>
-        </p:txBody>
-      </p:sp>
-    </p:spTree>
-    <p:custDataLst>
-      <p:tags r:id="rId1"/>
-    </p:custDataLst>
-    <p:extLst>
-      <p:ext uri="{BB962C8B-B14F-4D97-AF65-F5344CB8AC3E}">
-        <p14:creationId xmlns:p14="http://schemas.microsoft.com/office/powerpoint/2010/main" val="3429436428"/>
+        <p14:creationId xmlns:p14="http://schemas.microsoft.com/office/powerpoint/2010/main" val="1892705052"/>
       </p:ext>
     </p:extLst>
   </p:cSld>
@@ -5241,7 +4760,7 @@
   <p:tag name="ARTICULATE_USED_PAGE_ORIENTATION" val="1"/>
   <p:tag name="ARTICULATE_USED_PAGE_SIZE" val="1"/>
   <p:tag name="ARTICULATE_PROJECT_OPEN" val="0"/>
-  <p:tag name="ARTICULATE_SLIDE_COUNT" val="11"/>
+  <p:tag name="ARTICULATE_SLIDE_COUNT" val="8"/>
 </p:tagLst>
 </file>
 
@@ -5303,32 +4822,14 @@
 
 <file path=ppt/tags/tag19.xml><?xml version="1.0" encoding="utf-8"?>
 <p:tagLst xmlns:a="http://schemas.openxmlformats.org/drawingml/2006/main" xmlns:r="http://schemas.openxmlformats.org/officeDocument/2006/relationships" xmlns:p="http://schemas.openxmlformats.org/presentationml/2006/main">
+  <p:tag name="AUDIO_ID" val="333"/>
+  <p:tag name="ARTICULATE_USED_LAYOUT" val="9"/>
   <p:tag name="ARTICULATE_SLIDE_THUMBNAIL_REFRESH" val="1"/>
 </p:tagLst>
 </file>
 
 <file path=ppt/tags/tag2.xml><?xml version="1.0" encoding="utf-8"?>
 <p:tagLst xmlns:a="http://schemas.openxmlformats.org/drawingml/2006/main" xmlns:r="http://schemas.openxmlformats.org/officeDocument/2006/relationships" xmlns:p="http://schemas.openxmlformats.org/presentationml/2006/main">
-  <p:tag name="ARTICULATE_SLIDE_THUMBNAIL_REFRESH" val="1"/>
-</p:tagLst>
-</file>
-
-<file path=ppt/tags/tag20.xml><?xml version="1.0" encoding="utf-8"?>
-<p:tagLst xmlns:a="http://schemas.openxmlformats.org/drawingml/2006/main" xmlns:r="http://schemas.openxmlformats.org/officeDocument/2006/relationships" xmlns:p="http://schemas.openxmlformats.org/presentationml/2006/main">
-  <p:tag name="ARTICULATE_SLIDE_THUMBNAIL_REFRESH" val="1"/>
-</p:tagLst>
-</file>
-
-<file path=ppt/tags/tag21.xml><?xml version="1.0" encoding="utf-8"?>
-<p:tagLst xmlns:a="http://schemas.openxmlformats.org/drawingml/2006/main" xmlns:r="http://schemas.openxmlformats.org/officeDocument/2006/relationships" xmlns:p="http://schemas.openxmlformats.org/presentationml/2006/main">
-  <p:tag name="ARTICULATE_SLIDE_THUMBNAIL_REFRESH" val="1"/>
-</p:tagLst>
-</file>
-
-<file path=ppt/tags/tag22.xml><?xml version="1.0" encoding="utf-8"?>
-<p:tagLst xmlns:a="http://schemas.openxmlformats.org/drawingml/2006/main" xmlns:r="http://schemas.openxmlformats.org/officeDocument/2006/relationships" xmlns:p="http://schemas.openxmlformats.org/presentationml/2006/main">
-  <p:tag name="AUDIO_ID" val="333"/>
-  <p:tag name="ARTICULATE_USED_LAYOUT" val="9"/>
   <p:tag name="ARTICULATE_SLIDE_THUMBNAIL_REFRESH" val="1"/>
 </p:tagLst>
 </file>

--- a/Network-Security/Module_1 Internetworking/Lesson_4 Network Attacks and Threats .pptx
+++ b/Network-Security/Module_1 Internetworking/Lesson_4 Network Attacks and Threats .pptx
@@ -15,7 +15,7 @@
     <p:sldId id="336" r:id="rId6"/>
     <p:sldId id="337" r:id="rId7"/>
     <p:sldId id="338" r:id="rId8"/>
-    <p:sldId id="333" r:id="rId9"/>
+    <p:sldId id="340" r:id="rId9"/>
   </p:sldIdLst>
   <p:sldSz cx="9144000" cy="6858000" type="screen4x3"/>
   <p:notesSz cx="7315200" cy="9601200"/>
@@ -275,7 +275,7 @@
               <a:pPr>
                 <a:defRPr/>
               </a:pPr>
-              <a:t>4/20/18</a:t>
+              <a:t>4/24/18</a:t>
             </a:fld>
             <a:endParaRPr lang="en-US"/>
           </a:p>
@@ -807,7 +807,7 @@
     </p:spTree>
     <p:extLst>
       <p:ext uri="{BB962C8B-B14F-4D97-AF65-F5344CB8AC3E}">
-        <p14:creationId xmlns:p14="http://schemas.microsoft.com/office/powerpoint/2010/main" val="2433617412"/>
+        <p14:creationId xmlns:p14="http://schemas.microsoft.com/office/powerpoint/2010/main" val="125857880"/>
       </p:ext>
     </p:extLst>
   </p:cSld>
@@ -2771,7 +2771,7 @@
           <p:cNvPr id="2" name="Title 1">
             <a:extLst>
               <a:ext uri="{FF2B5EF4-FFF2-40B4-BE49-F238E27FC236}">
-                <a16:creationId xmlns:a16="http://schemas.microsoft.com/office/drawing/2014/main" xmlns="" id="{5C287DE2-E1A2-4F41-96FE-94AF4425CB03}"/>
+                <a16:creationId xmlns="" xmlns:a16="http://schemas.microsoft.com/office/drawing/2014/main" id="{5C287DE2-E1A2-4F41-96FE-94AF4425CB03}"/>
               </a:ext>
             </a:extLst>
           </p:cNvPr>
@@ -2910,7 +2910,7 @@
           <p:cNvPr id="3" name="Slide Number Placeholder 2">
             <a:extLst>
               <a:ext uri="{FF2B5EF4-FFF2-40B4-BE49-F238E27FC236}">
-                <a16:creationId xmlns:a16="http://schemas.microsoft.com/office/drawing/2014/main" xmlns="" id="{7D2FFADE-E1BC-48C1-83AA-6DDDD39A33C4}"/>
+                <a16:creationId xmlns="" xmlns:a16="http://schemas.microsoft.com/office/drawing/2014/main" id="{7D2FFADE-E1BC-48C1-83AA-6DDDD39A33C4}"/>
               </a:ext>
             </a:extLst>
           </p:cNvPr>
@@ -2945,7 +2945,7 @@
           <p:cNvPr id="9" name="Picture 8">
             <a:extLst>
               <a:ext uri="{FF2B5EF4-FFF2-40B4-BE49-F238E27FC236}">
-                <a16:creationId xmlns:a16="http://schemas.microsoft.com/office/drawing/2014/main" xmlns="" id="{9CBFC76A-A606-42CF-BCDF-C73975C150B9}"/>
+                <a16:creationId xmlns="" xmlns:a16="http://schemas.microsoft.com/office/drawing/2014/main" id="{9CBFC76A-A606-42CF-BCDF-C73975C150B9}"/>
               </a:ext>
             </a:extLst>
           </p:cNvPr>
@@ -4683,35 +4683,10 @@
       </p:grpSpPr>
       <p:sp>
         <p:nvSpPr>
-          <p:cNvPr id="11" name="Title 10">
-            <a:extLst>
-              <a:ext uri="{FF2B5EF4-FFF2-40B4-BE49-F238E27FC236}">
-                <a16:creationId xmlns:a16="http://schemas.microsoft.com/office/drawing/2014/main" xmlns="" id="{1F52A716-5142-4987-84C0-078D1007C406}"/>
-              </a:ext>
-            </a:extLst>
-          </p:cNvPr>
-          <p:cNvSpPr>
-            <a:spLocks noGrp="1"/>
-          </p:cNvSpPr>
-          <p:nvPr>
-            <p:ph type="title"/>
-          </p:nvPr>
-        </p:nvSpPr>
-        <p:spPr/>
-        <p:txBody>
-          <a:bodyPr/>
-          <a:lstStyle/>
-          <a:p>
-            <a:endParaRPr lang="en-US"/>
-          </a:p>
-        </p:txBody>
-      </p:sp>
-      <p:sp>
-        <p:nvSpPr>
           <p:cNvPr id="7" name="Slide Number Placeholder 6">
             <a:extLst>
               <a:ext uri="{FF2B5EF4-FFF2-40B4-BE49-F238E27FC236}">
-                <a16:creationId xmlns:a16="http://schemas.microsoft.com/office/drawing/2014/main" xmlns="" id="{27B55DC7-B95B-4807-B808-1E7A81E0F45A}"/>
+                <a16:creationId xmlns="" xmlns:a16="http://schemas.microsoft.com/office/drawing/2014/main" id="{27B55DC7-B95B-4807-B808-1E7A81E0F45A}"/>
               </a:ext>
             </a:extLst>
           </p:cNvPr>
@@ -4736,13 +4711,345 @@
           </a:p>
         </p:txBody>
       </p:sp>
+      <p:sp>
+        <p:nvSpPr>
+          <p:cNvPr id="19" name="Text Placeholder 7">
+            <a:extLst>
+              <a:ext uri="{FF2B5EF4-FFF2-40B4-BE49-F238E27FC236}">
+                <a16:creationId xmlns="" xmlns:a16="http://schemas.microsoft.com/office/drawing/2014/main" id="{2785A2B3-FCF4-4D59-9841-12917D91B27A}"/>
+              </a:ext>
+            </a:extLst>
+          </p:cNvPr>
+          <p:cNvSpPr txBox="1">
+            <a:spLocks/>
+          </p:cNvSpPr>
+          <p:nvPr/>
+        </p:nvSpPr>
+        <p:spPr>
+          <a:xfrm>
+            <a:off x="725683" y="871606"/>
+            <a:ext cx="7893050" cy="5114787"/>
+          </a:xfrm>
+          <a:prstGeom prst="rect">
+            <a:avLst/>
+          </a:prstGeom>
+        </p:spPr>
+        <p:txBody>
+          <a:bodyPr/>
+          <a:lstStyle>
+            <a:lvl1pPr marL="0" indent="0" algn="ctr" defTabSz="685800" rtl="0" eaLnBrk="0" fontAlgn="base" hangingPunct="0">
+              <a:lnSpc>
+                <a:spcPct val="90000"/>
+              </a:lnSpc>
+              <a:spcBef>
+                <a:spcPts val="750"/>
+              </a:spcBef>
+              <a:spcAft>
+                <a:spcPct val="0"/>
+              </a:spcAft>
+              <a:buFont typeface="Arial" charset="0"/>
+              <a:buNone/>
+              <a:defRPr sz="1800" kern="1200">
+                <a:solidFill>
+                  <a:schemeClr val="tx1"/>
+                </a:solidFill>
+                <a:latin typeface="+mn-lt"/>
+                <a:ea typeface="+mn-ea"/>
+                <a:cs typeface="+mn-cs"/>
+              </a:defRPr>
+            </a:lvl1pPr>
+            <a:lvl2pPr marL="514350" indent="-171450" algn="l" defTabSz="685800" rtl="0" eaLnBrk="0" fontAlgn="base" hangingPunct="0">
+              <a:lnSpc>
+                <a:spcPct val="90000"/>
+              </a:lnSpc>
+              <a:spcBef>
+                <a:spcPts val="375"/>
+              </a:spcBef>
+              <a:spcAft>
+                <a:spcPct val="0"/>
+              </a:spcAft>
+              <a:buFont typeface="Arial" charset="0"/>
+              <a:buChar char="•"/>
+              <a:defRPr sz="2400" kern="1200">
+                <a:solidFill>
+                  <a:schemeClr val="tx1"/>
+                </a:solidFill>
+                <a:latin typeface="+mn-lt"/>
+                <a:ea typeface="+mn-ea"/>
+                <a:cs typeface="+mn-cs"/>
+              </a:defRPr>
+            </a:lvl2pPr>
+            <a:lvl3pPr marL="857250" indent="-171450" algn="l" defTabSz="685800" rtl="0" eaLnBrk="0" fontAlgn="base" hangingPunct="0">
+              <a:lnSpc>
+                <a:spcPct val="90000"/>
+              </a:lnSpc>
+              <a:spcBef>
+                <a:spcPts val="375"/>
+              </a:spcBef>
+              <a:spcAft>
+                <a:spcPct val="0"/>
+              </a:spcAft>
+              <a:buFont typeface="Arial" charset="0"/>
+              <a:buChar char="•"/>
+              <a:defRPr sz="1800" kern="1200">
+                <a:solidFill>
+                  <a:schemeClr val="tx1"/>
+                </a:solidFill>
+                <a:latin typeface="+mn-lt"/>
+                <a:ea typeface="+mn-ea"/>
+                <a:cs typeface="+mn-cs"/>
+              </a:defRPr>
+            </a:lvl3pPr>
+            <a:lvl4pPr marL="1200150" indent="-171450" algn="l" defTabSz="685800" rtl="0" eaLnBrk="0" fontAlgn="base" hangingPunct="0">
+              <a:lnSpc>
+                <a:spcPct val="90000"/>
+              </a:lnSpc>
+              <a:spcBef>
+                <a:spcPts val="375"/>
+              </a:spcBef>
+              <a:spcAft>
+                <a:spcPct val="0"/>
+              </a:spcAft>
+              <a:buFont typeface="Arial" charset="0"/>
+              <a:buChar char="•"/>
+              <a:defRPr sz="1600" kern="1200">
+                <a:solidFill>
+                  <a:schemeClr val="tx1"/>
+                </a:solidFill>
+                <a:latin typeface="+mn-lt"/>
+                <a:ea typeface="+mn-ea"/>
+                <a:cs typeface="+mn-cs"/>
+              </a:defRPr>
+            </a:lvl4pPr>
+            <a:lvl5pPr marL="1543050" indent="-171450" algn="l" defTabSz="685800" rtl="0" eaLnBrk="0" fontAlgn="base" hangingPunct="0">
+              <a:lnSpc>
+                <a:spcPct val="90000"/>
+              </a:lnSpc>
+              <a:spcBef>
+                <a:spcPts val="375"/>
+              </a:spcBef>
+              <a:spcAft>
+                <a:spcPct val="0"/>
+              </a:spcAft>
+              <a:buFont typeface="Arial" charset="0"/>
+              <a:buChar char="•"/>
+              <a:defRPr sz="1600" kern="1200">
+                <a:solidFill>
+                  <a:schemeClr val="tx1"/>
+                </a:solidFill>
+                <a:latin typeface="+mn-lt"/>
+                <a:ea typeface="+mn-ea"/>
+                <a:cs typeface="+mn-cs"/>
+              </a:defRPr>
+            </a:lvl5pPr>
+            <a:lvl6pPr marL="1885950" indent="-171450" algn="l" defTabSz="685800" rtl="0" eaLnBrk="1" latinLnBrk="0" hangingPunct="1">
+              <a:lnSpc>
+                <a:spcPct val="90000"/>
+              </a:lnSpc>
+              <a:spcBef>
+                <a:spcPts val="375"/>
+              </a:spcBef>
+              <a:buFont typeface="Arial" panose="020B0604020202020204" pitchFamily="34" charset="0"/>
+              <a:buChar char="•"/>
+              <a:defRPr sz="1350" kern="1200">
+                <a:solidFill>
+                  <a:schemeClr val="tx1"/>
+                </a:solidFill>
+                <a:latin typeface="+mn-lt"/>
+                <a:ea typeface="+mn-ea"/>
+                <a:cs typeface="+mn-cs"/>
+              </a:defRPr>
+            </a:lvl6pPr>
+            <a:lvl7pPr marL="2228850" indent="-171450" algn="l" defTabSz="685800" rtl="0" eaLnBrk="1" latinLnBrk="0" hangingPunct="1">
+              <a:lnSpc>
+                <a:spcPct val="90000"/>
+              </a:lnSpc>
+              <a:spcBef>
+                <a:spcPts val="375"/>
+              </a:spcBef>
+              <a:buFont typeface="Arial" panose="020B0604020202020204" pitchFamily="34" charset="0"/>
+              <a:buChar char="•"/>
+              <a:defRPr sz="1350" kern="1200">
+                <a:solidFill>
+                  <a:schemeClr val="tx1"/>
+                </a:solidFill>
+                <a:latin typeface="+mn-lt"/>
+                <a:ea typeface="+mn-ea"/>
+                <a:cs typeface="+mn-cs"/>
+              </a:defRPr>
+            </a:lvl7pPr>
+            <a:lvl8pPr marL="2571750" indent="-171450" algn="l" defTabSz="685800" rtl="0" eaLnBrk="1" latinLnBrk="0" hangingPunct="1">
+              <a:lnSpc>
+                <a:spcPct val="90000"/>
+              </a:lnSpc>
+              <a:spcBef>
+                <a:spcPts val="375"/>
+              </a:spcBef>
+              <a:buFont typeface="Arial" panose="020B0604020202020204" pitchFamily="34" charset="0"/>
+              <a:buChar char="•"/>
+              <a:defRPr sz="1350" kern="1200">
+                <a:solidFill>
+                  <a:schemeClr val="tx1"/>
+                </a:solidFill>
+                <a:latin typeface="+mn-lt"/>
+                <a:ea typeface="+mn-ea"/>
+                <a:cs typeface="+mn-cs"/>
+              </a:defRPr>
+            </a:lvl8pPr>
+            <a:lvl9pPr marL="2914650" indent="-171450" algn="l" defTabSz="685800" rtl="0" eaLnBrk="1" latinLnBrk="0" hangingPunct="1">
+              <a:lnSpc>
+                <a:spcPct val="90000"/>
+              </a:lnSpc>
+              <a:spcBef>
+                <a:spcPts val="375"/>
+              </a:spcBef>
+              <a:buFont typeface="Arial" panose="020B0604020202020204" pitchFamily="34" charset="0"/>
+              <a:buChar char="•"/>
+              <a:defRPr sz="1350" kern="1200">
+                <a:solidFill>
+                  <a:schemeClr val="tx1"/>
+                </a:solidFill>
+                <a:latin typeface="+mn-lt"/>
+                <a:ea typeface="+mn-ea"/>
+                <a:cs typeface="+mn-cs"/>
+              </a:defRPr>
+            </a:lvl9pPr>
+          </a:lstStyle>
+          <a:p>
+            <a:r>
+              <a:rPr lang="en-US" dirty="0"/>
+              <a:t>Please attribute Dr. </a:t>
+            </a:r>
+            <a:r>
+              <a:rPr lang="en-US"/>
+              <a:t>Jim </a:t>
+            </a:r>
+            <a:r>
+              <a:rPr lang="en-US" smtClean="0"/>
+              <a:t>Alves-Foss, </a:t>
+            </a:r>
+            <a:r>
+              <a:rPr lang="en-US" dirty="0"/>
+              <a:t>University of Idaho</a:t>
+            </a:r>
+            <a:br>
+              <a:rPr lang="en-US" dirty="0"/>
+            </a:br>
+            <a:r>
+              <a:rPr lang="en-US" dirty="0"/>
+              <a:t/>
+            </a:r>
+            <a:br>
+              <a:rPr lang="en-US" dirty="0"/>
+            </a:br>
+            <a:r>
+              <a:rPr lang="en-US" dirty="0"/>
+              <a:t/>
+            </a:r>
+            <a:br>
+              <a:rPr lang="en-US" dirty="0"/>
+            </a:br>
+            <a:r>
+              <a:rPr lang="en-US" dirty="0"/>
+              <a:t/>
+            </a:r>
+            <a:br>
+              <a:rPr lang="en-US" dirty="0"/>
+            </a:br>
+            <a:r>
+              <a:rPr lang="en-US" dirty="0"/>
+              <a:t/>
+            </a:r>
+            <a:br>
+              <a:rPr lang="en-US" dirty="0"/>
+            </a:br>
+            <a:r>
+              <a:rPr lang="en-US" dirty="0"/>
+              <a:t/>
+            </a:r>
+            <a:br>
+              <a:rPr lang="en-US" dirty="0"/>
+            </a:br>
+            <a:r>
+              <a:rPr lang="en-US" dirty="0"/>
+              <a:t/>
+            </a:r>
+            <a:br>
+              <a:rPr lang="en-US" dirty="0"/>
+            </a:br>
+            <a:r>
+              <a:rPr lang="en-US" dirty="0"/>
+              <a:t/>
+            </a:r>
+            <a:br>
+              <a:rPr lang="en-US" dirty="0"/>
+            </a:br>
+            <a:endParaRPr lang="en-US" dirty="0"/>
+          </a:p>
+          <a:p>
+            <a:r>
+              <a:rPr lang="en-US" sz="1600" dirty="0"/>
+              <a:t>Except where otherwise noted, this work is licensed under https://creativecommons.org/licenses/by-nc-sa/4.0/</a:t>
+            </a:r>
+            <a:br>
+              <a:rPr lang="en-US" sz="1600" dirty="0"/>
+            </a:br>
+            <a:r>
+              <a:rPr lang="en-US" sz="1600" dirty="0"/>
+              <a:t/>
+            </a:r>
+            <a:br>
+              <a:rPr lang="en-US" sz="1600" dirty="0"/>
+            </a:br>
+            <a:r>
+              <a:rPr lang="en-US" sz="1600" dirty="0"/>
+              <a:t>Not withstanding the non-commercial license terms, non-profit educational institutions are granted a non-exclusive license to adapt and use this material, with attribution.</a:t>
+            </a:r>
+            <a:br>
+              <a:rPr lang="en-US" sz="1600" dirty="0"/>
+            </a:br>
+            <a:r>
+              <a:rPr lang="en-US" sz="1600" dirty="0"/>
+              <a:t/>
+            </a:r>
+            <a:br>
+              <a:rPr lang="en-US" sz="1600" dirty="0"/>
+            </a:br>
+            <a:r>
+              <a:rPr lang="en-US" sz="1600" dirty="0"/>
+              <a:t>Creative Commons and the double C in a circle are registered trademarks of Creative commons in the United States and other countries. Third party marks and brands are the property of their respective holders</a:t>
+            </a:r>
+            <a:r>
+              <a:rPr lang="en-US" sz="1600" dirty="0" smtClean="0"/>
+              <a:t>.</a:t>
+            </a:r>
+          </a:p>
+          <a:p>
+            <a:r>
+              <a:rPr lang="en-US" sz="1600" dirty="0"/>
+              <a:t>Project sponsored by the National Security Agency under grant Number </a:t>
+            </a:r>
+            <a:r>
+              <a:rPr lang="en-US" sz="1600" dirty="0" smtClean="0"/>
+              <a:t>H98230-17-1-0199. The </a:t>
+            </a:r>
+            <a:r>
+              <a:rPr lang="en-US" sz="1600" dirty="0"/>
+              <a:t>United States Government is authorized to reproduce and distribute reprints notwithstanding any copyright notation herein.</a:t>
+            </a:r>
+          </a:p>
+          <a:p>
+            <a:endParaRPr lang="en-US" sz="1600" dirty="0"/>
+          </a:p>
+        </p:txBody>
+      </p:sp>
     </p:spTree>
     <p:custDataLst>
       <p:tags r:id="rId1"/>
     </p:custDataLst>
     <p:extLst>
       <p:ext uri="{BB962C8B-B14F-4D97-AF65-F5344CB8AC3E}">
-        <p14:creationId xmlns:p14="http://schemas.microsoft.com/office/powerpoint/2010/main" val="1892705052"/>
+        <p14:creationId xmlns:p14="http://schemas.microsoft.com/office/powerpoint/2010/main" val="981049878"/>
       </p:ext>
     </p:extLst>
   </p:cSld>
@@ -4823,6 +5130,13 @@
 <file path=ppt/tags/tag19.xml><?xml version="1.0" encoding="utf-8"?>
 <p:tagLst xmlns:a="http://schemas.openxmlformats.org/drawingml/2006/main" xmlns:r="http://schemas.openxmlformats.org/officeDocument/2006/relationships" xmlns:p="http://schemas.openxmlformats.org/presentationml/2006/main">
   <p:tag name="AUDIO_ID" val="333"/>
+  <p:tag name="ARTICULATE_NAV_LEVEL" val="1"/>
+  <p:tag name="ARTICULATE_TOC_EXPANDED" val="True"/>
+  <p:tag name="ARTICULATE_SLIDE_PRESENTER_GUID" val="b6afec6b-4ad9-49aa-931c-79381ce9333b"/>
+  <p:tag name="ARTICULATE_SLIDE_PAUSE" val="0"/>
+  <p:tag name="ARTICULATE_HIDE_SLIDE" val="0"/>
+  <p:tag name="ARTICULATE_PLAYER_CONTROL_PREVIOUS" val="True"/>
+  <p:tag name="ARTICULATE_PLAYER_CONTROL_NEXT" val="True"/>
   <p:tag name="ARTICULATE_USED_LAYOUT" val="9"/>
   <p:tag name="ARTICULATE_SLIDE_THUMBNAIL_REFRESH" val="1"/>
 </p:tagLst>
